--- a/NPS/NPS-Presentacion.pptx
+++ b/NPS/NPS-Presentacion.pptx
@@ -3025,7 +3025,7 @@
           <a:p>
             <a:fld id="{80680FBE-A8DF-4758-9AC4-3A9E1039168F}" type="datetimeFigureOut">
               <a:rPr lang="en-US" smtClean="0"/>
-              <a:t>7/24/2021</a:t>
+              <a:t>7/27/2021</a:t>
             </a:fld>
             <a:endParaRPr lang="en-US" dirty="0"/>
           </a:p>
@@ -3190,7 +3190,7 @@
           <a:p>
             <a:fld id="{EC13577B-6902-467D-A26C-08A0DD5E4E03}" type="datetimeFigureOut">
               <a:rPr lang="en-US" smtClean="0"/>
-              <a:t>7/24/2021</a:t>
+              <a:t>7/27/2021</a:t>
             </a:fld>
             <a:endParaRPr lang="en-US" dirty="0"/>
           </a:p>
@@ -4074,7 +4074,7 @@
             <a:fld id="{8BEEBAAA-29B5-4AF5-BC5F-7E580C29002D}" type="datetimeFigureOut">
               <a:rPr lang="en-US" smtClean="0"/>
               <a:pPr/>
-              <a:t>7/24/2021</a:t>
+              <a:t>7/27/2021</a:t>
             </a:fld>
             <a:endParaRPr lang="en-US" dirty="0"/>
           </a:p>
@@ -4700,7 +4700,7 @@
             <a:fld id="{8BEEBAAA-29B5-4AF5-BC5F-7E580C29002D}" type="datetimeFigureOut">
               <a:rPr lang="en-US" smtClean="0"/>
               <a:pPr/>
-              <a:t>7/24/2021</a:t>
+              <a:t>7/27/2021</a:t>
             </a:fld>
             <a:endParaRPr lang="en-US" dirty="0"/>
           </a:p>
@@ -5184,7 +5184,7 @@
                   <a:schemeClr val="bg1"/>
                 </a:solidFill>
               </a:rPr>
-              <a:t>Welcome to PowerPoint</a:t>
+              <a:t>NPS</a:t>
             </a:r>
           </a:p>
         </p:txBody>
@@ -5215,13 +5215,31 @@
               <a:buNone/>
             </a:pPr>
             <a:r>
+              <a:rPr lang="es-SV" sz="2400" dirty="0">
+                <a:solidFill>
+                  <a:schemeClr val="bg1"/>
+                </a:solidFill>
+                <a:latin typeface="+mj-lt"/>
+              </a:rPr>
+              <a:t>J</a:t>
+            </a:r>
+            <a:r>
+              <a:rPr lang="en-US" sz="2400" dirty="0" err="1">
+                <a:solidFill>
+                  <a:schemeClr val="bg1"/>
+                </a:solidFill>
+                <a:latin typeface="+mj-lt"/>
+              </a:rPr>
+              <a:t>ulio</a:t>
+            </a:r>
+            <a:r>
               <a:rPr lang="en-US" sz="2400" dirty="0">
                 <a:solidFill>
                   <a:schemeClr val="bg1"/>
                 </a:solidFill>
                 <a:latin typeface="+mj-lt"/>
               </a:rPr>
-              <a:t>5 tips for a simpler way to work</a:t>
+              <a:t> 2021 Datasphere</a:t>
             </a:r>
           </a:p>
         </p:txBody>
@@ -8909,6 +8927,15 @@
 </file>
 
 <file path=customXml/item1.xml><?xml version="1.0" encoding="utf-8"?>
+<?mso-contentType ?>
+<FormTemplates xmlns="http://schemas.microsoft.com/sharepoint/v3/contenttype/forms">
+  <Display>DocumentLibraryForm</Display>
+  <Edit>DocumentLibraryForm</Edit>
+  <New>DocumentLibraryForm</New>
+</FormTemplates>
+</file>
+
+<file path=customXml/item2.xml><?xml version="1.0" encoding="utf-8"?>
 <p:properties xmlns:p="http://schemas.microsoft.com/office/2006/metadata/properties" xmlns:xsi="http://www.w3.org/2001/XMLSchema-instance" xmlns:pc="http://schemas.microsoft.com/office/infopath/2007/PartnerControls">
   <documentManagement>
     <_ip_UnifiedCompliancePolicyUIAction xmlns="http://schemas.microsoft.com/sharepoint/v3" xsi:nil="true"/>
@@ -8925,15 +8952,6 @@
     <MediaServiceKeyPoints xmlns="71af3243-3dd4-4a8d-8c0d-dd76da1f02a5" xsi:nil="true"/>
   </documentManagement>
 </p:properties>
-</file>
-
-<file path=customXml/item2.xml><?xml version="1.0" encoding="utf-8"?>
-<?mso-contentType ?>
-<FormTemplates xmlns="http://schemas.microsoft.com/sharepoint/v3/contenttype/forms">
-  <Display>DocumentLibraryForm</Display>
-  <Edit>DocumentLibraryForm</Edit>
-  <New>DocumentLibraryForm</New>
-</FormTemplates>
 </file>
 
 <file path=customXml/item3.xml><?xml version="1.0" encoding="utf-8"?>
@@ -9213,6 +9231,14 @@
 </file>
 
 <file path=customXml/itemProps1.xml><?xml version="1.0" encoding="utf-8"?>
+<ds:datastoreItem xmlns:ds="http://schemas.openxmlformats.org/officeDocument/2006/customXml" ds:itemID="{AB64C1E2-42EA-4660-BCB7-94E6DA7562F1}">
+  <ds:schemaRefs>
+    <ds:schemaRef ds:uri="http://schemas.microsoft.com/sharepoint/v3/contenttype/forms"/>
+  </ds:schemaRefs>
+</ds:datastoreItem>
+</file>
+
+<file path=customXml/itemProps2.xml><?xml version="1.0" encoding="utf-8"?>
 <ds:datastoreItem xmlns:ds="http://schemas.openxmlformats.org/officeDocument/2006/customXml" ds:itemID="{2045902D-8BCA-4596-9829-0D7D1289C020}">
   <ds:schemaRefs>
     <ds:schemaRef ds:uri="http://schemas.microsoft.com/office/2006/metadata/properties"/>
@@ -9220,14 +9246,6 @@
     <ds:schemaRef ds:uri="http://schemas.microsoft.com/sharepoint/v3"/>
     <ds:schemaRef ds:uri="71af3243-3dd4-4a8d-8c0d-dd76da1f02a5"/>
     <ds:schemaRef ds:uri="230e9df3-be65-4c73-a93b-d1236ebd677e"/>
-  </ds:schemaRefs>
-</ds:datastoreItem>
-</file>
-
-<file path=customXml/itemProps2.xml><?xml version="1.0" encoding="utf-8"?>
-<ds:datastoreItem xmlns:ds="http://schemas.openxmlformats.org/officeDocument/2006/customXml" ds:itemID="{AB64C1E2-42EA-4660-BCB7-94E6DA7562F1}">
-  <ds:schemaRefs>
-    <ds:schemaRef ds:uri="http://schemas.microsoft.com/sharepoint/v3/contenttype/forms"/>
   </ds:schemaRefs>
 </ds:datastoreItem>
 </file>
